--- a/Base de données/P6 - Définition de MCD/Groupe A/présentation des apreneurs/El amoury Youssra/La Définition de MCD.pptx
+++ b/Base de données/P6 - Définition de MCD/Groupe A/présentation des apreneurs/El amoury Youssra/La Définition de MCD.pptx
@@ -134,7 +134,7 @@
           <p:cNvPr id="2" name="Titre 1">
             <a:extLst>
               <a:ext uri="{FF2B5EF4-FFF2-40B4-BE49-F238E27FC236}">
-                <a16:creationId xmlns:a16="http://schemas.microsoft.com/office/drawing/2014/main" id="{275B703C-C8CD-484E-807D-38E30EA34A75}"/>
+                <a16:creationId xmlns:a16="http://schemas.microsoft.com/office/drawing/2014/main" xmlns="" id="{275B703C-C8CD-484E-807D-38E30EA34A75}"/>
               </a:ext>
             </a:extLst>
           </p:cNvPr>
@@ -171,7 +171,7 @@
           <p:cNvPr id="3" name="Sous-titre 2">
             <a:extLst>
               <a:ext uri="{FF2B5EF4-FFF2-40B4-BE49-F238E27FC236}">
-                <a16:creationId xmlns:a16="http://schemas.microsoft.com/office/drawing/2014/main" id="{427959C8-03F6-4131-8354-A7F2F49EB444}"/>
+                <a16:creationId xmlns:a16="http://schemas.microsoft.com/office/drawing/2014/main" xmlns="" id="{427959C8-03F6-4131-8354-A7F2F49EB444}"/>
               </a:ext>
             </a:extLst>
           </p:cNvPr>
@@ -241,7 +241,7 @@
           <p:cNvPr id="4" name="Espace réservé de la date 3">
             <a:extLst>
               <a:ext uri="{FF2B5EF4-FFF2-40B4-BE49-F238E27FC236}">
-                <a16:creationId xmlns:a16="http://schemas.microsoft.com/office/drawing/2014/main" id="{86EC4C9F-6F26-466D-8053-4CFD19E869A5}"/>
+                <a16:creationId xmlns:a16="http://schemas.microsoft.com/office/drawing/2014/main" xmlns="" id="{86EC4C9F-6F26-466D-8053-4CFD19E869A5}"/>
               </a:ext>
             </a:extLst>
           </p:cNvPr>
@@ -259,7 +259,8 @@
           <a:p>
             <a:fld id="{965D604A-5882-40A3-9F5D-DEDA2A0F65A3}" type="datetimeFigureOut">
               <a:rPr lang="fr-FR" smtClean="0"/>
-              <a:t>01/06/2019</a:t>
+              <a:pPr/>
+              <a:t>16/09/2019</a:t>
             </a:fld>
             <a:endParaRPr lang="fr-FR"/>
           </a:p>
@@ -270,7 +271,7 @@
           <p:cNvPr id="5" name="Espace réservé du pied de page 4">
             <a:extLst>
               <a:ext uri="{FF2B5EF4-FFF2-40B4-BE49-F238E27FC236}">
-                <a16:creationId xmlns:a16="http://schemas.microsoft.com/office/drawing/2014/main" id="{CD44F266-674B-417E-823F-2439C932582A}"/>
+                <a16:creationId xmlns:a16="http://schemas.microsoft.com/office/drawing/2014/main" xmlns="" id="{CD44F266-674B-417E-823F-2439C932582A}"/>
               </a:ext>
             </a:extLst>
           </p:cNvPr>
@@ -295,7 +296,7 @@
           <p:cNvPr id="6" name="Espace réservé du numéro de diapositive 5">
             <a:extLst>
               <a:ext uri="{FF2B5EF4-FFF2-40B4-BE49-F238E27FC236}">
-                <a16:creationId xmlns:a16="http://schemas.microsoft.com/office/drawing/2014/main" id="{F6D79AE3-6E7D-4459-AF61-E974B24AF4AF}"/>
+                <a16:creationId xmlns:a16="http://schemas.microsoft.com/office/drawing/2014/main" xmlns="" id="{F6D79AE3-6E7D-4459-AF61-E974B24AF4AF}"/>
               </a:ext>
             </a:extLst>
           </p:cNvPr>
@@ -313,6 +314,7 @@
           <a:p>
             <a:fld id="{ADC5A885-75F4-4ACD-98BA-438E61E48872}" type="slidenum">
               <a:rPr lang="fr-FR" smtClean="0"/>
+              <a:pPr/>
               <a:t>‹N°›</a:t>
             </a:fld>
             <a:endParaRPr lang="fr-FR"/>
@@ -322,7 +324,7 @@
     </p:spTree>
     <p:extLst>
       <p:ext uri="{BB962C8B-B14F-4D97-AF65-F5344CB8AC3E}">
-        <p14:creationId xmlns:p14="http://schemas.microsoft.com/office/powerpoint/2010/main" val="1634291648"/>
+        <p14:creationId xmlns:p14="http://schemas.microsoft.com/office/powerpoint/2010/main" xmlns="" val="1634291648"/>
       </p:ext>
     </p:extLst>
   </p:cSld>
@@ -354,7 +356,7 @@
           <p:cNvPr id="2" name="Titre 1">
             <a:extLst>
               <a:ext uri="{FF2B5EF4-FFF2-40B4-BE49-F238E27FC236}">
-                <a16:creationId xmlns:a16="http://schemas.microsoft.com/office/drawing/2014/main" id="{F5512599-923A-4E4B-B7B8-672464A4A629}"/>
+                <a16:creationId xmlns:a16="http://schemas.microsoft.com/office/drawing/2014/main" xmlns="" id="{F5512599-923A-4E4B-B7B8-672464A4A629}"/>
               </a:ext>
             </a:extLst>
           </p:cNvPr>
@@ -382,7 +384,7 @@
           <p:cNvPr id="3" name="Espace réservé du texte vertical 2">
             <a:extLst>
               <a:ext uri="{FF2B5EF4-FFF2-40B4-BE49-F238E27FC236}">
-                <a16:creationId xmlns:a16="http://schemas.microsoft.com/office/drawing/2014/main" id="{66387A5B-9740-4A2D-9629-D63BB936CAAD}"/>
+                <a16:creationId xmlns:a16="http://schemas.microsoft.com/office/drawing/2014/main" xmlns="" id="{66387A5B-9740-4A2D-9629-D63BB936CAAD}"/>
               </a:ext>
             </a:extLst>
           </p:cNvPr>
@@ -439,7 +441,7 @@
           <p:cNvPr id="4" name="Espace réservé de la date 3">
             <a:extLst>
               <a:ext uri="{FF2B5EF4-FFF2-40B4-BE49-F238E27FC236}">
-                <a16:creationId xmlns:a16="http://schemas.microsoft.com/office/drawing/2014/main" id="{8284A517-FCFF-4CB0-9192-40FAF91C847D}"/>
+                <a16:creationId xmlns:a16="http://schemas.microsoft.com/office/drawing/2014/main" xmlns="" id="{8284A517-FCFF-4CB0-9192-40FAF91C847D}"/>
               </a:ext>
             </a:extLst>
           </p:cNvPr>
@@ -457,7 +459,8 @@
           <a:p>
             <a:fld id="{965D604A-5882-40A3-9F5D-DEDA2A0F65A3}" type="datetimeFigureOut">
               <a:rPr lang="fr-FR" smtClean="0"/>
-              <a:t>01/06/2019</a:t>
+              <a:pPr/>
+              <a:t>16/09/2019</a:t>
             </a:fld>
             <a:endParaRPr lang="fr-FR"/>
           </a:p>
@@ -468,7 +471,7 @@
           <p:cNvPr id="5" name="Espace réservé du pied de page 4">
             <a:extLst>
               <a:ext uri="{FF2B5EF4-FFF2-40B4-BE49-F238E27FC236}">
-                <a16:creationId xmlns:a16="http://schemas.microsoft.com/office/drawing/2014/main" id="{239FDEAC-44FC-4453-A301-1917466BAA2F}"/>
+                <a16:creationId xmlns:a16="http://schemas.microsoft.com/office/drawing/2014/main" xmlns="" id="{239FDEAC-44FC-4453-A301-1917466BAA2F}"/>
               </a:ext>
             </a:extLst>
           </p:cNvPr>
@@ -493,7 +496,7 @@
           <p:cNvPr id="6" name="Espace réservé du numéro de diapositive 5">
             <a:extLst>
               <a:ext uri="{FF2B5EF4-FFF2-40B4-BE49-F238E27FC236}">
-                <a16:creationId xmlns:a16="http://schemas.microsoft.com/office/drawing/2014/main" id="{CDDE65D4-95B1-41DF-8E08-599FAC8D3636}"/>
+                <a16:creationId xmlns:a16="http://schemas.microsoft.com/office/drawing/2014/main" xmlns="" id="{CDDE65D4-95B1-41DF-8E08-599FAC8D3636}"/>
               </a:ext>
             </a:extLst>
           </p:cNvPr>
@@ -511,6 +514,7 @@
           <a:p>
             <a:fld id="{ADC5A885-75F4-4ACD-98BA-438E61E48872}" type="slidenum">
               <a:rPr lang="fr-FR" smtClean="0"/>
+              <a:pPr/>
               <a:t>‹N°›</a:t>
             </a:fld>
             <a:endParaRPr lang="fr-FR"/>
@@ -520,7 +524,7 @@
     </p:spTree>
     <p:extLst>
       <p:ext uri="{BB962C8B-B14F-4D97-AF65-F5344CB8AC3E}">
-        <p14:creationId xmlns:p14="http://schemas.microsoft.com/office/powerpoint/2010/main" val="655868038"/>
+        <p14:creationId xmlns:p14="http://schemas.microsoft.com/office/powerpoint/2010/main" xmlns="" val="655868038"/>
       </p:ext>
     </p:extLst>
   </p:cSld>
@@ -552,7 +556,7 @@
           <p:cNvPr id="2" name="Titre vertical 1">
             <a:extLst>
               <a:ext uri="{FF2B5EF4-FFF2-40B4-BE49-F238E27FC236}">
-                <a16:creationId xmlns:a16="http://schemas.microsoft.com/office/drawing/2014/main" id="{D2A6EE14-8258-4EF8-A0F2-B96F15C0A114}"/>
+                <a16:creationId xmlns:a16="http://schemas.microsoft.com/office/drawing/2014/main" xmlns="" id="{D2A6EE14-8258-4EF8-A0F2-B96F15C0A114}"/>
               </a:ext>
             </a:extLst>
           </p:cNvPr>
@@ -585,7 +589,7 @@
           <p:cNvPr id="3" name="Espace réservé du texte vertical 2">
             <a:extLst>
               <a:ext uri="{FF2B5EF4-FFF2-40B4-BE49-F238E27FC236}">
-                <a16:creationId xmlns:a16="http://schemas.microsoft.com/office/drawing/2014/main" id="{D4EE8612-F4FB-45BF-8B54-20D6B5F62D69}"/>
+                <a16:creationId xmlns:a16="http://schemas.microsoft.com/office/drawing/2014/main" xmlns="" id="{D4EE8612-F4FB-45BF-8B54-20D6B5F62D69}"/>
               </a:ext>
             </a:extLst>
           </p:cNvPr>
@@ -647,7 +651,7 @@
           <p:cNvPr id="4" name="Espace réservé de la date 3">
             <a:extLst>
               <a:ext uri="{FF2B5EF4-FFF2-40B4-BE49-F238E27FC236}">
-                <a16:creationId xmlns:a16="http://schemas.microsoft.com/office/drawing/2014/main" id="{8C095AC5-A85C-4A0E-8808-5AF3FFDEC731}"/>
+                <a16:creationId xmlns:a16="http://schemas.microsoft.com/office/drawing/2014/main" xmlns="" id="{8C095AC5-A85C-4A0E-8808-5AF3FFDEC731}"/>
               </a:ext>
             </a:extLst>
           </p:cNvPr>
@@ -665,7 +669,8 @@
           <a:p>
             <a:fld id="{965D604A-5882-40A3-9F5D-DEDA2A0F65A3}" type="datetimeFigureOut">
               <a:rPr lang="fr-FR" smtClean="0"/>
-              <a:t>01/06/2019</a:t>
+              <a:pPr/>
+              <a:t>16/09/2019</a:t>
             </a:fld>
             <a:endParaRPr lang="fr-FR"/>
           </a:p>
@@ -676,7 +681,7 @@
           <p:cNvPr id="5" name="Espace réservé du pied de page 4">
             <a:extLst>
               <a:ext uri="{FF2B5EF4-FFF2-40B4-BE49-F238E27FC236}">
-                <a16:creationId xmlns:a16="http://schemas.microsoft.com/office/drawing/2014/main" id="{0C24B918-A58D-4265-96F3-2F990B329287}"/>
+                <a16:creationId xmlns:a16="http://schemas.microsoft.com/office/drawing/2014/main" xmlns="" id="{0C24B918-A58D-4265-96F3-2F990B329287}"/>
               </a:ext>
             </a:extLst>
           </p:cNvPr>
@@ -701,7 +706,7 @@
           <p:cNvPr id="6" name="Espace réservé du numéro de diapositive 5">
             <a:extLst>
               <a:ext uri="{FF2B5EF4-FFF2-40B4-BE49-F238E27FC236}">
-                <a16:creationId xmlns:a16="http://schemas.microsoft.com/office/drawing/2014/main" id="{B368ECF3-F99F-4E49-91A2-1AA1AD9EF7C8}"/>
+                <a16:creationId xmlns:a16="http://schemas.microsoft.com/office/drawing/2014/main" xmlns="" id="{B368ECF3-F99F-4E49-91A2-1AA1AD9EF7C8}"/>
               </a:ext>
             </a:extLst>
           </p:cNvPr>
@@ -719,6 +724,7 @@
           <a:p>
             <a:fld id="{ADC5A885-75F4-4ACD-98BA-438E61E48872}" type="slidenum">
               <a:rPr lang="fr-FR" smtClean="0"/>
+              <a:pPr/>
               <a:t>‹N°›</a:t>
             </a:fld>
             <a:endParaRPr lang="fr-FR"/>
@@ -728,7 +734,7 @@
     </p:spTree>
     <p:extLst>
       <p:ext uri="{BB962C8B-B14F-4D97-AF65-F5344CB8AC3E}">
-        <p14:creationId xmlns:p14="http://schemas.microsoft.com/office/powerpoint/2010/main" val="1782175144"/>
+        <p14:creationId xmlns:p14="http://schemas.microsoft.com/office/powerpoint/2010/main" xmlns="" val="1782175144"/>
       </p:ext>
     </p:extLst>
   </p:cSld>
@@ -760,7 +766,7 @@
           <p:cNvPr id="2" name="Titre 1">
             <a:extLst>
               <a:ext uri="{FF2B5EF4-FFF2-40B4-BE49-F238E27FC236}">
-                <a16:creationId xmlns:a16="http://schemas.microsoft.com/office/drawing/2014/main" id="{09E16338-689B-4F8A-94F0-5AD63C305ACA}"/>
+                <a16:creationId xmlns:a16="http://schemas.microsoft.com/office/drawing/2014/main" xmlns="" id="{09E16338-689B-4F8A-94F0-5AD63C305ACA}"/>
               </a:ext>
             </a:extLst>
           </p:cNvPr>
@@ -788,7 +794,7 @@
           <p:cNvPr id="3" name="Espace réservé du contenu 2">
             <a:extLst>
               <a:ext uri="{FF2B5EF4-FFF2-40B4-BE49-F238E27FC236}">
-                <a16:creationId xmlns:a16="http://schemas.microsoft.com/office/drawing/2014/main" id="{6827D9E9-8753-46FC-B50D-A6058FECCFC1}"/>
+                <a16:creationId xmlns:a16="http://schemas.microsoft.com/office/drawing/2014/main" xmlns="" id="{6827D9E9-8753-46FC-B50D-A6058FECCFC1}"/>
               </a:ext>
             </a:extLst>
           </p:cNvPr>
@@ -845,7 +851,7 @@
           <p:cNvPr id="4" name="Espace réservé de la date 3">
             <a:extLst>
               <a:ext uri="{FF2B5EF4-FFF2-40B4-BE49-F238E27FC236}">
-                <a16:creationId xmlns:a16="http://schemas.microsoft.com/office/drawing/2014/main" id="{B3E3CD27-95F1-446E-9B56-C3FDCBE4EC72}"/>
+                <a16:creationId xmlns:a16="http://schemas.microsoft.com/office/drawing/2014/main" xmlns="" id="{B3E3CD27-95F1-446E-9B56-C3FDCBE4EC72}"/>
               </a:ext>
             </a:extLst>
           </p:cNvPr>
@@ -863,7 +869,8 @@
           <a:p>
             <a:fld id="{965D604A-5882-40A3-9F5D-DEDA2A0F65A3}" type="datetimeFigureOut">
               <a:rPr lang="fr-FR" smtClean="0"/>
-              <a:t>01/06/2019</a:t>
+              <a:pPr/>
+              <a:t>16/09/2019</a:t>
             </a:fld>
             <a:endParaRPr lang="fr-FR"/>
           </a:p>
@@ -874,7 +881,7 @@
           <p:cNvPr id="5" name="Espace réservé du pied de page 4">
             <a:extLst>
               <a:ext uri="{FF2B5EF4-FFF2-40B4-BE49-F238E27FC236}">
-                <a16:creationId xmlns:a16="http://schemas.microsoft.com/office/drawing/2014/main" id="{251FDFDE-DFB3-4821-9AF8-06B8D0BA0D90}"/>
+                <a16:creationId xmlns:a16="http://schemas.microsoft.com/office/drawing/2014/main" xmlns="" id="{251FDFDE-DFB3-4821-9AF8-06B8D0BA0D90}"/>
               </a:ext>
             </a:extLst>
           </p:cNvPr>
@@ -899,7 +906,7 @@
           <p:cNvPr id="6" name="Espace réservé du numéro de diapositive 5">
             <a:extLst>
               <a:ext uri="{FF2B5EF4-FFF2-40B4-BE49-F238E27FC236}">
-                <a16:creationId xmlns:a16="http://schemas.microsoft.com/office/drawing/2014/main" id="{6C76C15C-6FB3-4CF5-A222-F3987A033459}"/>
+                <a16:creationId xmlns:a16="http://schemas.microsoft.com/office/drawing/2014/main" xmlns="" id="{6C76C15C-6FB3-4CF5-A222-F3987A033459}"/>
               </a:ext>
             </a:extLst>
           </p:cNvPr>
@@ -917,6 +924,7 @@
           <a:p>
             <a:fld id="{ADC5A885-75F4-4ACD-98BA-438E61E48872}" type="slidenum">
               <a:rPr lang="fr-FR" smtClean="0"/>
+              <a:pPr/>
               <a:t>‹N°›</a:t>
             </a:fld>
             <a:endParaRPr lang="fr-FR"/>
@@ -926,7 +934,7 @@
     </p:spTree>
     <p:extLst>
       <p:ext uri="{BB962C8B-B14F-4D97-AF65-F5344CB8AC3E}">
-        <p14:creationId xmlns:p14="http://schemas.microsoft.com/office/powerpoint/2010/main" val="1358371661"/>
+        <p14:creationId xmlns:p14="http://schemas.microsoft.com/office/powerpoint/2010/main" xmlns="" val="1358371661"/>
       </p:ext>
     </p:extLst>
   </p:cSld>
@@ -958,7 +966,7 @@
           <p:cNvPr id="2" name="Titre 1">
             <a:extLst>
               <a:ext uri="{FF2B5EF4-FFF2-40B4-BE49-F238E27FC236}">
-                <a16:creationId xmlns:a16="http://schemas.microsoft.com/office/drawing/2014/main" id="{EDFF1F33-77CF-4DF4-B3EF-3A3FF70DECE9}"/>
+                <a16:creationId xmlns:a16="http://schemas.microsoft.com/office/drawing/2014/main" xmlns="" id="{EDFF1F33-77CF-4DF4-B3EF-3A3FF70DECE9}"/>
               </a:ext>
             </a:extLst>
           </p:cNvPr>
@@ -995,7 +1003,7 @@
           <p:cNvPr id="3" name="Espace réservé du texte 2">
             <a:extLst>
               <a:ext uri="{FF2B5EF4-FFF2-40B4-BE49-F238E27FC236}">
-                <a16:creationId xmlns:a16="http://schemas.microsoft.com/office/drawing/2014/main" id="{1A189852-94B9-4F0E-A0CF-58C522D8EEC0}"/>
+                <a16:creationId xmlns:a16="http://schemas.microsoft.com/office/drawing/2014/main" xmlns="" id="{1A189852-94B9-4F0E-A0CF-58C522D8EEC0}"/>
               </a:ext>
             </a:extLst>
           </p:cNvPr>
@@ -1120,7 +1128,7 @@
           <p:cNvPr id="4" name="Espace réservé de la date 3">
             <a:extLst>
               <a:ext uri="{FF2B5EF4-FFF2-40B4-BE49-F238E27FC236}">
-                <a16:creationId xmlns:a16="http://schemas.microsoft.com/office/drawing/2014/main" id="{B5A25496-2097-4B9D-8FF1-B85F12A0BC06}"/>
+                <a16:creationId xmlns:a16="http://schemas.microsoft.com/office/drawing/2014/main" xmlns="" id="{B5A25496-2097-4B9D-8FF1-B85F12A0BC06}"/>
               </a:ext>
             </a:extLst>
           </p:cNvPr>
@@ -1138,7 +1146,8 @@
           <a:p>
             <a:fld id="{965D604A-5882-40A3-9F5D-DEDA2A0F65A3}" type="datetimeFigureOut">
               <a:rPr lang="fr-FR" smtClean="0"/>
-              <a:t>01/06/2019</a:t>
+              <a:pPr/>
+              <a:t>16/09/2019</a:t>
             </a:fld>
             <a:endParaRPr lang="fr-FR"/>
           </a:p>
@@ -1149,7 +1158,7 @@
           <p:cNvPr id="5" name="Espace réservé du pied de page 4">
             <a:extLst>
               <a:ext uri="{FF2B5EF4-FFF2-40B4-BE49-F238E27FC236}">
-                <a16:creationId xmlns:a16="http://schemas.microsoft.com/office/drawing/2014/main" id="{817F7C04-6963-4AC1-80D0-91FA2F18D77E}"/>
+                <a16:creationId xmlns:a16="http://schemas.microsoft.com/office/drawing/2014/main" xmlns="" id="{817F7C04-6963-4AC1-80D0-91FA2F18D77E}"/>
               </a:ext>
             </a:extLst>
           </p:cNvPr>
@@ -1174,7 +1183,7 @@
           <p:cNvPr id="6" name="Espace réservé du numéro de diapositive 5">
             <a:extLst>
               <a:ext uri="{FF2B5EF4-FFF2-40B4-BE49-F238E27FC236}">
-                <a16:creationId xmlns:a16="http://schemas.microsoft.com/office/drawing/2014/main" id="{49BC77B7-0BF2-4279-AF3E-E49F7B5ECE36}"/>
+                <a16:creationId xmlns:a16="http://schemas.microsoft.com/office/drawing/2014/main" xmlns="" id="{49BC77B7-0BF2-4279-AF3E-E49F7B5ECE36}"/>
               </a:ext>
             </a:extLst>
           </p:cNvPr>
@@ -1192,6 +1201,7 @@
           <a:p>
             <a:fld id="{ADC5A885-75F4-4ACD-98BA-438E61E48872}" type="slidenum">
               <a:rPr lang="fr-FR" smtClean="0"/>
+              <a:pPr/>
               <a:t>‹N°›</a:t>
             </a:fld>
             <a:endParaRPr lang="fr-FR"/>
@@ -1201,7 +1211,7 @@
     </p:spTree>
     <p:extLst>
       <p:ext uri="{BB962C8B-B14F-4D97-AF65-F5344CB8AC3E}">
-        <p14:creationId xmlns:p14="http://schemas.microsoft.com/office/powerpoint/2010/main" val="1147270531"/>
+        <p14:creationId xmlns:p14="http://schemas.microsoft.com/office/powerpoint/2010/main" xmlns="" val="1147270531"/>
       </p:ext>
     </p:extLst>
   </p:cSld>
@@ -1233,7 +1243,7 @@
           <p:cNvPr id="2" name="Titre 1">
             <a:extLst>
               <a:ext uri="{FF2B5EF4-FFF2-40B4-BE49-F238E27FC236}">
-                <a16:creationId xmlns:a16="http://schemas.microsoft.com/office/drawing/2014/main" id="{DDACA136-58A9-4CC1-B4EA-EA7670AD5E0C}"/>
+                <a16:creationId xmlns:a16="http://schemas.microsoft.com/office/drawing/2014/main" xmlns="" id="{DDACA136-58A9-4CC1-B4EA-EA7670AD5E0C}"/>
               </a:ext>
             </a:extLst>
           </p:cNvPr>
@@ -1261,7 +1271,7 @@
           <p:cNvPr id="3" name="Espace réservé du contenu 2">
             <a:extLst>
               <a:ext uri="{FF2B5EF4-FFF2-40B4-BE49-F238E27FC236}">
-                <a16:creationId xmlns:a16="http://schemas.microsoft.com/office/drawing/2014/main" id="{E776ECE9-1DF3-446F-9FA3-5DF262475FD1}"/>
+                <a16:creationId xmlns:a16="http://schemas.microsoft.com/office/drawing/2014/main" xmlns="" id="{E776ECE9-1DF3-446F-9FA3-5DF262475FD1}"/>
               </a:ext>
             </a:extLst>
           </p:cNvPr>
@@ -1323,7 +1333,7 @@
           <p:cNvPr id="4" name="Espace réservé du contenu 3">
             <a:extLst>
               <a:ext uri="{FF2B5EF4-FFF2-40B4-BE49-F238E27FC236}">
-                <a16:creationId xmlns:a16="http://schemas.microsoft.com/office/drawing/2014/main" id="{3C189D32-C7C6-4CF9-8C04-0E9CB3F39F70}"/>
+                <a16:creationId xmlns:a16="http://schemas.microsoft.com/office/drawing/2014/main" xmlns="" id="{3C189D32-C7C6-4CF9-8C04-0E9CB3F39F70}"/>
               </a:ext>
             </a:extLst>
           </p:cNvPr>
@@ -1385,7 +1395,7 @@
           <p:cNvPr id="5" name="Espace réservé de la date 4">
             <a:extLst>
               <a:ext uri="{FF2B5EF4-FFF2-40B4-BE49-F238E27FC236}">
-                <a16:creationId xmlns:a16="http://schemas.microsoft.com/office/drawing/2014/main" id="{47395604-AB59-4AF1-A119-AD9C875EE101}"/>
+                <a16:creationId xmlns:a16="http://schemas.microsoft.com/office/drawing/2014/main" xmlns="" id="{47395604-AB59-4AF1-A119-AD9C875EE101}"/>
               </a:ext>
             </a:extLst>
           </p:cNvPr>
@@ -1403,7 +1413,8 @@
           <a:p>
             <a:fld id="{965D604A-5882-40A3-9F5D-DEDA2A0F65A3}" type="datetimeFigureOut">
               <a:rPr lang="fr-FR" smtClean="0"/>
-              <a:t>01/06/2019</a:t>
+              <a:pPr/>
+              <a:t>16/09/2019</a:t>
             </a:fld>
             <a:endParaRPr lang="fr-FR"/>
           </a:p>
@@ -1414,7 +1425,7 @@
           <p:cNvPr id="6" name="Espace réservé du pied de page 5">
             <a:extLst>
               <a:ext uri="{FF2B5EF4-FFF2-40B4-BE49-F238E27FC236}">
-                <a16:creationId xmlns:a16="http://schemas.microsoft.com/office/drawing/2014/main" id="{F7A87AE0-6D6C-4172-B1CE-46F0305941A9}"/>
+                <a16:creationId xmlns:a16="http://schemas.microsoft.com/office/drawing/2014/main" xmlns="" id="{F7A87AE0-6D6C-4172-B1CE-46F0305941A9}"/>
               </a:ext>
             </a:extLst>
           </p:cNvPr>
@@ -1439,7 +1450,7 @@
           <p:cNvPr id="7" name="Espace réservé du numéro de diapositive 6">
             <a:extLst>
               <a:ext uri="{FF2B5EF4-FFF2-40B4-BE49-F238E27FC236}">
-                <a16:creationId xmlns:a16="http://schemas.microsoft.com/office/drawing/2014/main" id="{C5AB93BC-5789-4030-94C3-EC045A4D2CE8}"/>
+                <a16:creationId xmlns:a16="http://schemas.microsoft.com/office/drawing/2014/main" xmlns="" id="{C5AB93BC-5789-4030-94C3-EC045A4D2CE8}"/>
               </a:ext>
             </a:extLst>
           </p:cNvPr>
@@ -1457,6 +1468,7 @@
           <a:p>
             <a:fld id="{ADC5A885-75F4-4ACD-98BA-438E61E48872}" type="slidenum">
               <a:rPr lang="fr-FR" smtClean="0"/>
+              <a:pPr/>
               <a:t>‹N°›</a:t>
             </a:fld>
             <a:endParaRPr lang="fr-FR"/>
@@ -1466,7 +1478,7 @@
     </p:spTree>
     <p:extLst>
       <p:ext uri="{BB962C8B-B14F-4D97-AF65-F5344CB8AC3E}">
-        <p14:creationId xmlns:p14="http://schemas.microsoft.com/office/powerpoint/2010/main" val="3401539895"/>
+        <p14:creationId xmlns:p14="http://schemas.microsoft.com/office/powerpoint/2010/main" xmlns="" val="3401539895"/>
       </p:ext>
     </p:extLst>
   </p:cSld>
@@ -1498,7 +1510,7 @@
           <p:cNvPr id="2" name="Titre 1">
             <a:extLst>
               <a:ext uri="{FF2B5EF4-FFF2-40B4-BE49-F238E27FC236}">
-                <a16:creationId xmlns:a16="http://schemas.microsoft.com/office/drawing/2014/main" id="{9E42131F-5313-41D1-9A0B-E75C07EB5941}"/>
+                <a16:creationId xmlns:a16="http://schemas.microsoft.com/office/drawing/2014/main" xmlns="" id="{9E42131F-5313-41D1-9A0B-E75C07EB5941}"/>
               </a:ext>
             </a:extLst>
           </p:cNvPr>
@@ -1531,7 +1543,7 @@
           <p:cNvPr id="3" name="Espace réservé du texte 2">
             <a:extLst>
               <a:ext uri="{FF2B5EF4-FFF2-40B4-BE49-F238E27FC236}">
-                <a16:creationId xmlns:a16="http://schemas.microsoft.com/office/drawing/2014/main" id="{60E0E3CE-3285-419C-AD8D-570FD35E2EA0}"/>
+                <a16:creationId xmlns:a16="http://schemas.microsoft.com/office/drawing/2014/main" xmlns="" id="{60E0E3CE-3285-419C-AD8D-570FD35E2EA0}"/>
               </a:ext>
             </a:extLst>
           </p:cNvPr>
@@ -1602,7 +1614,7 @@
           <p:cNvPr id="4" name="Espace réservé du contenu 3">
             <a:extLst>
               <a:ext uri="{FF2B5EF4-FFF2-40B4-BE49-F238E27FC236}">
-                <a16:creationId xmlns:a16="http://schemas.microsoft.com/office/drawing/2014/main" id="{772A5AF9-D484-4DC5-97E0-FDB1E0ACC3D3}"/>
+                <a16:creationId xmlns:a16="http://schemas.microsoft.com/office/drawing/2014/main" xmlns="" id="{772A5AF9-D484-4DC5-97E0-FDB1E0ACC3D3}"/>
               </a:ext>
             </a:extLst>
           </p:cNvPr>
@@ -1664,7 +1676,7 @@
           <p:cNvPr id="5" name="Espace réservé du texte 4">
             <a:extLst>
               <a:ext uri="{FF2B5EF4-FFF2-40B4-BE49-F238E27FC236}">
-                <a16:creationId xmlns:a16="http://schemas.microsoft.com/office/drawing/2014/main" id="{BB4B0177-FDA6-4815-9E33-ED0C41349421}"/>
+                <a16:creationId xmlns:a16="http://schemas.microsoft.com/office/drawing/2014/main" xmlns="" id="{BB4B0177-FDA6-4815-9E33-ED0C41349421}"/>
               </a:ext>
             </a:extLst>
           </p:cNvPr>
@@ -1735,7 +1747,7 @@
           <p:cNvPr id="6" name="Espace réservé du contenu 5">
             <a:extLst>
               <a:ext uri="{FF2B5EF4-FFF2-40B4-BE49-F238E27FC236}">
-                <a16:creationId xmlns:a16="http://schemas.microsoft.com/office/drawing/2014/main" id="{2009B7DF-8621-4625-9F00-702E33913F6B}"/>
+                <a16:creationId xmlns:a16="http://schemas.microsoft.com/office/drawing/2014/main" xmlns="" id="{2009B7DF-8621-4625-9F00-702E33913F6B}"/>
               </a:ext>
             </a:extLst>
           </p:cNvPr>
@@ -1797,7 +1809,7 @@
           <p:cNvPr id="7" name="Espace réservé de la date 6">
             <a:extLst>
               <a:ext uri="{FF2B5EF4-FFF2-40B4-BE49-F238E27FC236}">
-                <a16:creationId xmlns:a16="http://schemas.microsoft.com/office/drawing/2014/main" id="{C8B91B63-66B7-451C-94DA-F72560DCB8A2}"/>
+                <a16:creationId xmlns:a16="http://schemas.microsoft.com/office/drawing/2014/main" xmlns="" id="{C8B91B63-66B7-451C-94DA-F72560DCB8A2}"/>
               </a:ext>
             </a:extLst>
           </p:cNvPr>
@@ -1815,7 +1827,8 @@
           <a:p>
             <a:fld id="{965D604A-5882-40A3-9F5D-DEDA2A0F65A3}" type="datetimeFigureOut">
               <a:rPr lang="fr-FR" smtClean="0"/>
-              <a:t>01/06/2019</a:t>
+              <a:pPr/>
+              <a:t>16/09/2019</a:t>
             </a:fld>
             <a:endParaRPr lang="fr-FR"/>
           </a:p>
@@ -1826,7 +1839,7 @@
           <p:cNvPr id="8" name="Espace réservé du pied de page 7">
             <a:extLst>
               <a:ext uri="{FF2B5EF4-FFF2-40B4-BE49-F238E27FC236}">
-                <a16:creationId xmlns:a16="http://schemas.microsoft.com/office/drawing/2014/main" id="{DF3EA869-1D70-40F1-83CA-BA1B5BB81E2B}"/>
+                <a16:creationId xmlns:a16="http://schemas.microsoft.com/office/drawing/2014/main" xmlns="" id="{DF3EA869-1D70-40F1-83CA-BA1B5BB81E2B}"/>
               </a:ext>
             </a:extLst>
           </p:cNvPr>
@@ -1851,7 +1864,7 @@
           <p:cNvPr id="9" name="Espace réservé du numéro de diapositive 8">
             <a:extLst>
               <a:ext uri="{FF2B5EF4-FFF2-40B4-BE49-F238E27FC236}">
-                <a16:creationId xmlns:a16="http://schemas.microsoft.com/office/drawing/2014/main" id="{5B2B2E27-69D5-47D9-BDA4-2A340CE96DF5}"/>
+                <a16:creationId xmlns:a16="http://schemas.microsoft.com/office/drawing/2014/main" xmlns="" id="{5B2B2E27-69D5-47D9-BDA4-2A340CE96DF5}"/>
               </a:ext>
             </a:extLst>
           </p:cNvPr>
@@ -1869,6 +1882,7 @@
           <a:p>
             <a:fld id="{ADC5A885-75F4-4ACD-98BA-438E61E48872}" type="slidenum">
               <a:rPr lang="fr-FR" smtClean="0"/>
+              <a:pPr/>
               <a:t>‹N°›</a:t>
             </a:fld>
             <a:endParaRPr lang="fr-FR"/>
@@ -1878,7 +1892,7 @@
     </p:spTree>
     <p:extLst>
       <p:ext uri="{BB962C8B-B14F-4D97-AF65-F5344CB8AC3E}">
-        <p14:creationId xmlns:p14="http://schemas.microsoft.com/office/powerpoint/2010/main" val="1628559392"/>
+        <p14:creationId xmlns:p14="http://schemas.microsoft.com/office/powerpoint/2010/main" xmlns="" val="1628559392"/>
       </p:ext>
     </p:extLst>
   </p:cSld>
@@ -1910,7 +1924,7 @@
           <p:cNvPr id="2" name="Titre 1">
             <a:extLst>
               <a:ext uri="{FF2B5EF4-FFF2-40B4-BE49-F238E27FC236}">
-                <a16:creationId xmlns:a16="http://schemas.microsoft.com/office/drawing/2014/main" id="{D5660609-9A64-435F-90BF-A40DDAA69C43}"/>
+                <a16:creationId xmlns:a16="http://schemas.microsoft.com/office/drawing/2014/main" xmlns="" id="{D5660609-9A64-435F-90BF-A40DDAA69C43}"/>
               </a:ext>
             </a:extLst>
           </p:cNvPr>
@@ -1938,7 +1952,7 @@
           <p:cNvPr id="3" name="Espace réservé de la date 2">
             <a:extLst>
               <a:ext uri="{FF2B5EF4-FFF2-40B4-BE49-F238E27FC236}">
-                <a16:creationId xmlns:a16="http://schemas.microsoft.com/office/drawing/2014/main" id="{46D6248D-9024-42A9-AE54-6F880E5DD247}"/>
+                <a16:creationId xmlns:a16="http://schemas.microsoft.com/office/drawing/2014/main" xmlns="" id="{46D6248D-9024-42A9-AE54-6F880E5DD247}"/>
               </a:ext>
             </a:extLst>
           </p:cNvPr>
@@ -1956,7 +1970,8 @@
           <a:p>
             <a:fld id="{965D604A-5882-40A3-9F5D-DEDA2A0F65A3}" type="datetimeFigureOut">
               <a:rPr lang="fr-FR" smtClean="0"/>
-              <a:t>01/06/2019</a:t>
+              <a:pPr/>
+              <a:t>16/09/2019</a:t>
             </a:fld>
             <a:endParaRPr lang="fr-FR"/>
           </a:p>
@@ -1967,7 +1982,7 @@
           <p:cNvPr id="4" name="Espace réservé du pied de page 3">
             <a:extLst>
               <a:ext uri="{FF2B5EF4-FFF2-40B4-BE49-F238E27FC236}">
-                <a16:creationId xmlns:a16="http://schemas.microsoft.com/office/drawing/2014/main" id="{111C63C2-65AE-4AC1-8B86-F2CD1BED3BF0}"/>
+                <a16:creationId xmlns:a16="http://schemas.microsoft.com/office/drawing/2014/main" xmlns="" id="{111C63C2-65AE-4AC1-8B86-F2CD1BED3BF0}"/>
               </a:ext>
             </a:extLst>
           </p:cNvPr>
@@ -1992,7 +2007,7 @@
           <p:cNvPr id="5" name="Espace réservé du numéro de diapositive 4">
             <a:extLst>
               <a:ext uri="{FF2B5EF4-FFF2-40B4-BE49-F238E27FC236}">
-                <a16:creationId xmlns:a16="http://schemas.microsoft.com/office/drawing/2014/main" id="{9ED954D7-227A-4412-A462-6A0C455B6EEE}"/>
+                <a16:creationId xmlns:a16="http://schemas.microsoft.com/office/drawing/2014/main" xmlns="" id="{9ED954D7-227A-4412-A462-6A0C455B6EEE}"/>
               </a:ext>
             </a:extLst>
           </p:cNvPr>
@@ -2010,6 +2025,7 @@
           <a:p>
             <a:fld id="{ADC5A885-75F4-4ACD-98BA-438E61E48872}" type="slidenum">
               <a:rPr lang="fr-FR" smtClean="0"/>
+              <a:pPr/>
               <a:t>‹N°›</a:t>
             </a:fld>
             <a:endParaRPr lang="fr-FR"/>
@@ -2019,7 +2035,7 @@
     </p:spTree>
     <p:extLst>
       <p:ext uri="{BB962C8B-B14F-4D97-AF65-F5344CB8AC3E}">
-        <p14:creationId xmlns:p14="http://schemas.microsoft.com/office/powerpoint/2010/main" val="1085496964"/>
+        <p14:creationId xmlns:p14="http://schemas.microsoft.com/office/powerpoint/2010/main" xmlns="" val="1085496964"/>
       </p:ext>
     </p:extLst>
   </p:cSld>
@@ -2051,7 +2067,7 @@
           <p:cNvPr id="2" name="Espace réservé de la date 1">
             <a:extLst>
               <a:ext uri="{FF2B5EF4-FFF2-40B4-BE49-F238E27FC236}">
-                <a16:creationId xmlns:a16="http://schemas.microsoft.com/office/drawing/2014/main" id="{956AEFFA-3A52-4290-80BF-311E278C1E58}"/>
+                <a16:creationId xmlns:a16="http://schemas.microsoft.com/office/drawing/2014/main" xmlns="" id="{956AEFFA-3A52-4290-80BF-311E278C1E58}"/>
               </a:ext>
             </a:extLst>
           </p:cNvPr>
@@ -2069,7 +2085,8 @@
           <a:p>
             <a:fld id="{965D604A-5882-40A3-9F5D-DEDA2A0F65A3}" type="datetimeFigureOut">
               <a:rPr lang="fr-FR" smtClean="0"/>
-              <a:t>01/06/2019</a:t>
+              <a:pPr/>
+              <a:t>16/09/2019</a:t>
             </a:fld>
             <a:endParaRPr lang="fr-FR"/>
           </a:p>
@@ -2080,7 +2097,7 @@
           <p:cNvPr id="3" name="Espace réservé du pied de page 2">
             <a:extLst>
               <a:ext uri="{FF2B5EF4-FFF2-40B4-BE49-F238E27FC236}">
-                <a16:creationId xmlns:a16="http://schemas.microsoft.com/office/drawing/2014/main" id="{A3C3133F-ABC3-4FC2-9BF1-5FD6226F46ED}"/>
+                <a16:creationId xmlns:a16="http://schemas.microsoft.com/office/drawing/2014/main" xmlns="" id="{A3C3133F-ABC3-4FC2-9BF1-5FD6226F46ED}"/>
               </a:ext>
             </a:extLst>
           </p:cNvPr>
@@ -2105,7 +2122,7 @@
           <p:cNvPr id="4" name="Espace réservé du numéro de diapositive 3">
             <a:extLst>
               <a:ext uri="{FF2B5EF4-FFF2-40B4-BE49-F238E27FC236}">
-                <a16:creationId xmlns:a16="http://schemas.microsoft.com/office/drawing/2014/main" id="{4170B157-CB12-4B1D-8A5D-920C07DAF486}"/>
+                <a16:creationId xmlns:a16="http://schemas.microsoft.com/office/drawing/2014/main" xmlns="" id="{4170B157-CB12-4B1D-8A5D-920C07DAF486}"/>
               </a:ext>
             </a:extLst>
           </p:cNvPr>
@@ -2123,6 +2140,7 @@
           <a:p>
             <a:fld id="{ADC5A885-75F4-4ACD-98BA-438E61E48872}" type="slidenum">
               <a:rPr lang="fr-FR" smtClean="0"/>
+              <a:pPr/>
               <a:t>‹N°›</a:t>
             </a:fld>
             <a:endParaRPr lang="fr-FR"/>
@@ -2132,7 +2150,7 @@
     </p:spTree>
     <p:extLst>
       <p:ext uri="{BB962C8B-B14F-4D97-AF65-F5344CB8AC3E}">
-        <p14:creationId xmlns:p14="http://schemas.microsoft.com/office/powerpoint/2010/main" val="1070064766"/>
+        <p14:creationId xmlns:p14="http://schemas.microsoft.com/office/powerpoint/2010/main" xmlns="" val="1070064766"/>
       </p:ext>
     </p:extLst>
   </p:cSld>
@@ -2164,7 +2182,7 @@
           <p:cNvPr id="2" name="Titre 1">
             <a:extLst>
               <a:ext uri="{FF2B5EF4-FFF2-40B4-BE49-F238E27FC236}">
-                <a16:creationId xmlns:a16="http://schemas.microsoft.com/office/drawing/2014/main" id="{4D91AB6B-4B00-467D-B144-8A34577E4451}"/>
+                <a16:creationId xmlns:a16="http://schemas.microsoft.com/office/drawing/2014/main" xmlns="" id="{4D91AB6B-4B00-467D-B144-8A34577E4451}"/>
               </a:ext>
             </a:extLst>
           </p:cNvPr>
@@ -2201,7 +2219,7 @@
           <p:cNvPr id="3" name="Espace réservé du contenu 2">
             <a:extLst>
               <a:ext uri="{FF2B5EF4-FFF2-40B4-BE49-F238E27FC236}">
-                <a16:creationId xmlns:a16="http://schemas.microsoft.com/office/drawing/2014/main" id="{2D8946E2-7A5A-44A3-90BB-491615FBFF51}"/>
+                <a16:creationId xmlns:a16="http://schemas.microsoft.com/office/drawing/2014/main" xmlns="" id="{2D8946E2-7A5A-44A3-90BB-491615FBFF51}"/>
               </a:ext>
             </a:extLst>
           </p:cNvPr>
@@ -2291,7 +2309,7 @@
           <p:cNvPr id="4" name="Espace réservé du texte 3">
             <a:extLst>
               <a:ext uri="{FF2B5EF4-FFF2-40B4-BE49-F238E27FC236}">
-                <a16:creationId xmlns:a16="http://schemas.microsoft.com/office/drawing/2014/main" id="{0ADF9006-B2E6-44AF-83E2-99A393A75F52}"/>
+                <a16:creationId xmlns:a16="http://schemas.microsoft.com/office/drawing/2014/main" xmlns="" id="{0ADF9006-B2E6-44AF-83E2-99A393A75F52}"/>
               </a:ext>
             </a:extLst>
           </p:cNvPr>
@@ -2362,7 +2380,7 @@
           <p:cNvPr id="5" name="Espace réservé de la date 4">
             <a:extLst>
               <a:ext uri="{FF2B5EF4-FFF2-40B4-BE49-F238E27FC236}">
-                <a16:creationId xmlns:a16="http://schemas.microsoft.com/office/drawing/2014/main" id="{B0266ACC-E554-492E-9C63-DAAA2A8083A4}"/>
+                <a16:creationId xmlns:a16="http://schemas.microsoft.com/office/drawing/2014/main" xmlns="" id="{B0266ACC-E554-492E-9C63-DAAA2A8083A4}"/>
               </a:ext>
             </a:extLst>
           </p:cNvPr>
@@ -2380,7 +2398,8 @@
           <a:p>
             <a:fld id="{965D604A-5882-40A3-9F5D-DEDA2A0F65A3}" type="datetimeFigureOut">
               <a:rPr lang="fr-FR" smtClean="0"/>
-              <a:t>01/06/2019</a:t>
+              <a:pPr/>
+              <a:t>16/09/2019</a:t>
             </a:fld>
             <a:endParaRPr lang="fr-FR"/>
           </a:p>
@@ -2391,7 +2410,7 @@
           <p:cNvPr id="6" name="Espace réservé du pied de page 5">
             <a:extLst>
               <a:ext uri="{FF2B5EF4-FFF2-40B4-BE49-F238E27FC236}">
-                <a16:creationId xmlns:a16="http://schemas.microsoft.com/office/drawing/2014/main" id="{68BFC461-91BC-43E5-85DF-4D6C1B524B84}"/>
+                <a16:creationId xmlns:a16="http://schemas.microsoft.com/office/drawing/2014/main" xmlns="" id="{68BFC461-91BC-43E5-85DF-4D6C1B524B84}"/>
               </a:ext>
             </a:extLst>
           </p:cNvPr>
@@ -2416,7 +2435,7 @@
           <p:cNvPr id="7" name="Espace réservé du numéro de diapositive 6">
             <a:extLst>
               <a:ext uri="{FF2B5EF4-FFF2-40B4-BE49-F238E27FC236}">
-                <a16:creationId xmlns:a16="http://schemas.microsoft.com/office/drawing/2014/main" id="{2BE356E2-CB64-4B2C-9AD6-1DBE3C709656}"/>
+                <a16:creationId xmlns:a16="http://schemas.microsoft.com/office/drawing/2014/main" xmlns="" id="{2BE356E2-CB64-4B2C-9AD6-1DBE3C709656}"/>
               </a:ext>
             </a:extLst>
           </p:cNvPr>
@@ -2434,6 +2453,7 @@
           <a:p>
             <a:fld id="{ADC5A885-75F4-4ACD-98BA-438E61E48872}" type="slidenum">
               <a:rPr lang="fr-FR" smtClean="0"/>
+              <a:pPr/>
               <a:t>‹N°›</a:t>
             </a:fld>
             <a:endParaRPr lang="fr-FR"/>
@@ -2443,7 +2463,7 @@
     </p:spTree>
     <p:extLst>
       <p:ext uri="{BB962C8B-B14F-4D97-AF65-F5344CB8AC3E}">
-        <p14:creationId xmlns:p14="http://schemas.microsoft.com/office/powerpoint/2010/main" val="1547882733"/>
+        <p14:creationId xmlns:p14="http://schemas.microsoft.com/office/powerpoint/2010/main" xmlns="" val="1547882733"/>
       </p:ext>
     </p:extLst>
   </p:cSld>
@@ -2475,7 +2495,7 @@
           <p:cNvPr id="2" name="Titre 1">
             <a:extLst>
               <a:ext uri="{FF2B5EF4-FFF2-40B4-BE49-F238E27FC236}">
-                <a16:creationId xmlns:a16="http://schemas.microsoft.com/office/drawing/2014/main" id="{54F1D74D-AD77-401B-84E2-BFCEC2F78F34}"/>
+                <a16:creationId xmlns:a16="http://schemas.microsoft.com/office/drawing/2014/main" xmlns="" id="{54F1D74D-AD77-401B-84E2-BFCEC2F78F34}"/>
               </a:ext>
             </a:extLst>
           </p:cNvPr>
@@ -2512,7 +2532,7 @@
           <p:cNvPr id="3" name="Espace réservé pour une image  2">
             <a:extLst>
               <a:ext uri="{FF2B5EF4-FFF2-40B4-BE49-F238E27FC236}">
-                <a16:creationId xmlns:a16="http://schemas.microsoft.com/office/drawing/2014/main" id="{D980AFD2-3EFB-4D55-8F17-88E7ABFF27C2}"/>
+                <a16:creationId xmlns:a16="http://schemas.microsoft.com/office/drawing/2014/main" xmlns="" id="{D980AFD2-3EFB-4D55-8F17-88E7ABFF27C2}"/>
               </a:ext>
             </a:extLst>
           </p:cNvPr>
@@ -2579,7 +2599,7 @@
           <p:cNvPr id="4" name="Espace réservé du texte 3">
             <a:extLst>
               <a:ext uri="{FF2B5EF4-FFF2-40B4-BE49-F238E27FC236}">
-                <a16:creationId xmlns:a16="http://schemas.microsoft.com/office/drawing/2014/main" id="{50F65109-87D0-4DDD-87D5-D44D5968EE51}"/>
+                <a16:creationId xmlns:a16="http://schemas.microsoft.com/office/drawing/2014/main" xmlns="" id="{50F65109-87D0-4DDD-87D5-D44D5968EE51}"/>
               </a:ext>
             </a:extLst>
           </p:cNvPr>
@@ -2650,7 +2670,7 @@
           <p:cNvPr id="5" name="Espace réservé de la date 4">
             <a:extLst>
               <a:ext uri="{FF2B5EF4-FFF2-40B4-BE49-F238E27FC236}">
-                <a16:creationId xmlns:a16="http://schemas.microsoft.com/office/drawing/2014/main" id="{0A35848C-6E4A-4224-BB20-5C855A8C9C3B}"/>
+                <a16:creationId xmlns:a16="http://schemas.microsoft.com/office/drawing/2014/main" xmlns="" id="{0A35848C-6E4A-4224-BB20-5C855A8C9C3B}"/>
               </a:ext>
             </a:extLst>
           </p:cNvPr>
@@ -2668,7 +2688,8 @@
           <a:p>
             <a:fld id="{965D604A-5882-40A3-9F5D-DEDA2A0F65A3}" type="datetimeFigureOut">
               <a:rPr lang="fr-FR" smtClean="0"/>
-              <a:t>01/06/2019</a:t>
+              <a:pPr/>
+              <a:t>16/09/2019</a:t>
             </a:fld>
             <a:endParaRPr lang="fr-FR"/>
           </a:p>
@@ -2679,7 +2700,7 @@
           <p:cNvPr id="6" name="Espace réservé du pied de page 5">
             <a:extLst>
               <a:ext uri="{FF2B5EF4-FFF2-40B4-BE49-F238E27FC236}">
-                <a16:creationId xmlns:a16="http://schemas.microsoft.com/office/drawing/2014/main" id="{389DD8E3-E946-47FE-A49C-2A4F26A2D551}"/>
+                <a16:creationId xmlns:a16="http://schemas.microsoft.com/office/drawing/2014/main" xmlns="" id="{389DD8E3-E946-47FE-A49C-2A4F26A2D551}"/>
               </a:ext>
             </a:extLst>
           </p:cNvPr>
@@ -2704,7 +2725,7 @@
           <p:cNvPr id="7" name="Espace réservé du numéro de diapositive 6">
             <a:extLst>
               <a:ext uri="{FF2B5EF4-FFF2-40B4-BE49-F238E27FC236}">
-                <a16:creationId xmlns:a16="http://schemas.microsoft.com/office/drawing/2014/main" id="{E2CDED93-D673-4D6C-81AB-15A2B25EC142}"/>
+                <a16:creationId xmlns:a16="http://schemas.microsoft.com/office/drawing/2014/main" xmlns="" id="{E2CDED93-D673-4D6C-81AB-15A2B25EC142}"/>
               </a:ext>
             </a:extLst>
           </p:cNvPr>
@@ -2722,6 +2743,7 @@
           <a:p>
             <a:fld id="{ADC5A885-75F4-4ACD-98BA-438E61E48872}" type="slidenum">
               <a:rPr lang="fr-FR" smtClean="0"/>
+              <a:pPr/>
               <a:t>‹N°›</a:t>
             </a:fld>
             <a:endParaRPr lang="fr-FR"/>
@@ -2731,7 +2753,7 @@
     </p:spTree>
     <p:extLst>
       <p:ext uri="{BB962C8B-B14F-4D97-AF65-F5344CB8AC3E}">
-        <p14:creationId xmlns:p14="http://schemas.microsoft.com/office/powerpoint/2010/main" val="546133224"/>
+        <p14:creationId xmlns:p14="http://schemas.microsoft.com/office/powerpoint/2010/main" xmlns="" val="546133224"/>
       </p:ext>
     </p:extLst>
   </p:cSld>
@@ -2768,7 +2790,7 @@
           <p:cNvPr id="2" name="Espace réservé du titre 1">
             <a:extLst>
               <a:ext uri="{FF2B5EF4-FFF2-40B4-BE49-F238E27FC236}">
-                <a16:creationId xmlns:a16="http://schemas.microsoft.com/office/drawing/2014/main" id="{14317A89-BDBC-4AA0-85A4-D10F088865FD}"/>
+                <a16:creationId xmlns:a16="http://schemas.microsoft.com/office/drawing/2014/main" xmlns="" id="{14317A89-BDBC-4AA0-85A4-D10F088865FD}"/>
               </a:ext>
             </a:extLst>
           </p:cNvPr>
@@ -2806,7 +2828,7 @@
           <p:cNvPr id="3" name="Espace réservé du texte 2">
             <a:extLst>
               <a:ext uri="{FF2B5EF4-FFF2-40B4-BE49-F238E27FC236}">
-                <a16:creationId xmlns:a16="http://schemas.microsoft.com/office/drawing/2014/main" id="{145BAF9A-C8C2-4ED1-A3C9-A27172BFEA58}"/>
+                <a16:creationId xmlns:a16="http://schemas.microsoft.com/office/drawing/2014/main" xmlns="" id="{145BAF9A-C8C2-4ED1-A3C9-A27172BFEA58}"/>
               </a:ext>
             </a:extLst>
           </p:cNvPr>
@@ -2873,7 +2895,7 @@
           <p:cNvPr id="4" name="Espace réservé de la date 3">
             <a:extLst>
               <a:ext uri="{FF2B5EF4-FFF2-40B4-BE49-F238E27FC236}">
-                <a16:creationId xmlns:a16="http://schemas.microsoft.com/office/drawing/2014/main" id="{50BFE79B-2974-4A5C-B9A9-9D24D47F1F15}"/>
+                <a16:creationId xmlns:a16="http://schemas.microsoft.com/office/drawing/2014/main" xmlns="" id="{50BFE79B-2974-4A5C-B9A9-9D24D47F1F15}"/>
               </a:ext>
             </a:extLst>
           </p:cNvPr>
@@ -2909,7 +2931,8 @@
           <a:p>
             <a:fld id="{965D604A-5882-40A3-9F5D-DEDA2A0F65A3}" type="datetimeFigureOut">
               <a:rPr lang="fr-FR" smtClean="0"/>
-              <a:t>01/06/2019</a:t>
+              <a:pPr/>
+              <a:t>16/09/2019</a:t>
             </a:fld>
             <a:endParaRPr lang="fr-FR"/>
           </a:p>
@@ -2920,7 +2943,7 @@
           <p:cNvPr id="5" name="Espace réservé du pied de page 4">
             <a:extLst>
               <a:ext uri="{FF2B5EF4-FFF2-40B4-BE49-F238E27FC236}">
-                <a16:creationId xmlns:a16="http://schemas.microsoft.com/office/drawing/2014/main" id="{FD91F561-0421-4D66-8BEC-4F59B0001369}"/>
+                <a16:creationId xmlns:a16="http://schemas.microsoft.com/office/drawing/2014/main" xmlns="" id="{FD91F561-0421-4D66-8BEC-4F59B0001369}"/>
               </a:ext>
             </a:extLst>
           </p:cNvPr>
@@ -2963,7 +2986,7 @@
           <p:cNvPr id="6" name="Espace réservé du numéro de diapositive 5">
             <a:extLst>
               <a:ext uri="{FF2B5EF4-FFF2-40B4-BE49-F238E27FC236}">
-                <a16:creationId xmlns:a16="http://schemas.microsoft.com/office/drawing/2014/main" id="{653303F7-6E7D-428F-8017-BA81A65D8A69}"/>
+                <a16:creationId xmlns:a16="http://schemas.microsoft.com/office/drawing/2014/main" xmlns="" id="{653303F7-6E7D-428F-8017-BA81A65D8A69}"/>
               </a:ext>
             </a:extLst>
           </p:cNvPr>
@@ -2999,6 +3022,7 @@
           <a:p>
             <a:fld id="{ADC5A885-75F4-4ACD-98BA-438E61E48872}" type="slidenum">
               <a:rPr lang="fr-FR" smtClean="0"/>
+              <a:pPr/>
               <a:t>‹N°›</a:t>
             </a:fld>
             <a:endParaRPr lang="fr-FR"/>
@@ -3008,7 +3032,7 @@
     </p:spTree>
     <p:extLst>
       <p:ext uri="{BB962C8B-B14F-4D97-AF65-F5344CB8AC3E}">
-        <p14:creationId xmlns:p14="http://schemas.microsoft.com/office/powerpoint/2010/main" val="4043492131"/>
+        <p14:creationId xmlns:p14="http://schemas.microsoft.com/office/powerpoint/2010/main" xmlns="" val="4043492131"/>
       </p:ext>
     </p:extLst>
   </p:cSld>
@@ -3331,7 +3355,7 @@
           <p:cNvPr id="2" name="Titre 1">
             <a:extLst>
               <a:ext uri="{FF2B5EF4-FFF2-40B4-BE49-F238E27FC236}">
-                <a16:creationId xmlns:a16="http://schemas.microsoft.com/office/drawing/2014/main" id="{556D695D-92E2-4C5C-A769-8F250EC58329}"/>
+                <a16:creationId xmlns:a16="http://schemas.microsoft.com/office/drawing/2014/main" xmlns="" id="{556D695D-92E2-4C5C-A769-8F250EC58329}"/>
               </a:ext>
             </a:extLst>
           </p:cNvPr>
@@ -3378,7 +3402,7 @@
           <p:cNvPr id="3" name="Sous-titre 2">
             <a:extLst>
               <a:ext uri="{FF2B5EF4-FFF2-40B4-BE49-F238E27FC236}">
-                <a16:creationId xmlns:a16="http://schemas.microsoft.com/office/drawing/2014/main" id="{2A1348D0-489B-4511-BD7C-6CCE321CDD50}"/>
+                <a16:creationId xmlns:a16="http://schemas.microsoft.com/office/drawing/2014/main" xmlns="" id="{2A1348D0-489B-4511-BD7C-6CCE321CDD50}"/>
               </a:ext>
             </a:extLst>
           </p:cNvPr>
@@ -3433,13 +3457,20 @@
     </p:spTree>
     <p:extLst>
       <p:ext uri="{BB962C8B-B14F-4D97-AF65-F5344CB8AC3E}">
-        <p14:creationId xmlns:p14="http://schemas.microsoft.com/office/powerpoint/2010/main" val="4279323699"/>
+        <p14:creationId xmlns:p14="http://schemas.microsoft.com/office/powerpoint/2010/main" xmlns="" val="4279323699"/>
       </p:ext>
     </p:extLst>
   </p:cSld>
   <p:clrMapOvr>
     <a:masterClrMapping/>
   </p:clrMapOvr>
+  <p:timing>
+    <p:tnLst>
+      <p:par>
+        <p:cTn id="1" dur="indefinite" restart="never" nodeType="tmRoot"/>
+      </p:par>
+    </p:tnLst>
+  </p:timing>
 </p:sld>
 </file>
 
@@ -3465,7 +3496,7 @@
           <p:cNvPr id="2" name="Titre 1">
             <a:extLst>
               <a:ext uri="{FF2B5EF4-FFF2-40B4-BE49-F238E27FC236}">
-                <a16:creationId xmlns:a16="http://schemas.microsoft.com/office/drawing/2014/main" id="{63D125E7-6F37-4A4F-81F7-BF416CE27A71}"/>
+                <a16:creationId xmlns:a16="http://schemas.microsoft.com/office/drawing/2014/main" xmlns="" id="{63D125E7-6F37-4A4F-81F7-BF416CE27A71}"/>
               </a:ext>
             </a:extLst>
           </p:cNvPr>
@@ -3510,7 +3541,7 @@
           <p:cNvPr id="3" name="Espace réservé du contenu 2">
             <a:extLst>
               <a:ext uri="{FF2B5EF4-FFF2-40B4-BE49-F238E27FC236}">
-                <a16:creationId xmlns:a16="http://schemas.microsoft.com/office/drawing/2014/main" id="{AE655C38-3996-4BD0-B359-6A4035BC5B8C}"/>
+                <a16:creationId xmlns:a16="http://schemas.microsoft.com/office/drawing/2014/main" xmlns="" id="{AE655C38-3996-4BD0-B359-6A4035BC5B8C}"/>
               </a:ext>
             </a:extLst>
           </p:cNvPr>
@@ -3524,7 +3555,7 @@
         <p:spPr/>
         <p:txBody>
           <a:bodyPr>
-            <a:normAutofit fontScale="92500" lnSpcReduction="10000"/>
+            <a:normAutofit lnSpcReduction="10000"/>
           </a:bodyPr>
           <a:lstStyle/>
           <a:p>
@@ -3549,18 +3580,23 @@
                   <a:srgbClr val="0070C0"/>
                 </a:solidFill>
               </a:rPr>
-              <a:t>Les entités</a:t>
+              <a:t>Les </a:t>
+            </a:r>
+            <a:r>
+              <a:rPr lang="fr-FR" dirty="0" smtClean="0">
+                <a:solidFill>
+                  <a:srgbClr val="0070C0"/>
+                </a:solidFill>
+              </a:rPr>
+              <a:t>entités</a:t>
+            </a:r>
+            <a:r>
+              <a:rPr lang="fr-FR" dirty="0" smtClean="0"/>
+              <a:t>:Chaque </a:t>
             </a:r>
             <a:r>
               <a:rPr lang="fr-FR" dirty="0"/>
-              <a:t>: Une entité est une instanciation de la classe.</a:t>
-            </a:r>
-            <a:br>
-              <a:rPr lang="fr-FR" dirty="0"/>
-            </a:br>
-            <a:r>
-              <a:rPr lang="fr-FR" dirty="0"/>
-              <a:t>Chaque entité est composée de propriétés.</a:t>
+              <a:t>entité est composée de propriétés.</a:t>
             </a:r>
           </a:p>
           <a:p>
@@ -3588,7 +3624,15 @@
             </a:r>
             <a:r>
               <a:rPr lang="fr-FR" dirty="0"/>
-              <a:t>Une association (appelée aussi  relation) représente les liens sémantiques qui peuvent exister entre plusieurs entités.</a:t>
+              <a:t>Une association </a:t>
+            </a:r>
+            <a:r>
+              <a:rPr lang="fr-FR" dirty="0" smtClean="0"/>
+              <a:t>représente </a:t>
+            </a:r>
+            <a:r>
+              <a:rPr lang="fr-FR" dirty="0"/>
+              <a:t>les liens sémantiques qui peuvent exister entre plusieurs entités.</a:t>
             </a:r>
           </a:p>
           <a:p>
@@ -3615,13 +3659,20 @@
     </p:spTree>
     <p:extLst>
       <p:ext uri="{BB962C8B-B14F-4D97-AF65-F5344CB8AC3E}">
-        <p14:creationId xmlns:p14="http://schemas.microsoft.com/office/powerpoint/2010/main" val="3682434887"/>
+        <p14:creationId xmlns:p14="http://schemas.microsoft.com/office/powerpoint/2010/main" xmlns="" val="3682434887"/>
       </p:ext>
     </p:extLst>
   </p:cSld>
   <p:clrMapOvr>
     <a:masterClrMapping/>
   </p:clrMapOvr>
+  <p:timing>
+    <p:tnLst>
+      <p:par>
+        <p:cTn id="1" dur="indefinite" restart="never" nodeType="tmRoot"/>
+      </p:par>
+    </p:tnLst>
+  </p:timing>
 </p:sld>
 </file>
 
@@ -3647,7 +3698,7 @@
           <p:cNvPr id="2" name="Titre 1">
             <a:extLst>
               <a:ext uri="{FF2B5EF4-FFF2-40B4-BE49-F238E27FC236}">
-                <a16:creationId xmlns:a16="http://schemas.microsoft.com/office/drawing/2014/main" id="{0BB74FED-93E1-4121-91B6-F3A3C8DBA21F}"/>
+                <a16:creationId xmlns:a16="http://schemas.microsoft.com/office/drawing/2014/main" xmlns="" id="{0BB74FED-93E1-4121-91B6-F3A3C8DBA21F}"/>
               </a:ext>
             </a:extLst>
           </p:cNvPr>
@@ -3690,7 +3741,7 @@
           <p:cNvPr id="3" name="Espace réservé du contenu 2">
             <a:extLst>
               <a:ext uri="{FF2B5EF4-FFF2-40B4-BE49-F238E27FC236}">
-                <a16:creationId xmlns:a16="http://schemas.microsoft.com/office/drawing/2014/main" id="{7C09F734-47EB-4EBE-869E-6DDDDCAA9723}"/>
+                <a16:creationId xmlns:a16="http://schemas.microsoft.com/office/drawing/2014/main" xmlns="" id="{7C09F734-47EB-4EBE-869E-6DDDDCAA9723}"/>
               </a:ext>
             </a:extLst>
           </p:cNvPr>
@@ -3775,13 +3826,20 @@
     </p:spTree>
     <p:extLst>
       <p:ext uri="{BB962C8B-B14F-4D97-AF65-F5344CB8AC3E}">
-        <p14:creationId xmlns:p14="http://schemas.microsoft.com/office/powerpoint/2010/main" val="2176164452"/>
+        <p14:creationId xmlns:p14="http://schemas.microsoft.com/office/powerpoint/2010/main" xmlns="" val="2176164452"/>
       </p:ext>
     </p:extLst>
   </p:cSld>
   <p:clrMapOvr>
     <a:masterClrMapping/>
   </p:clrMapOvr>
+  <p:timing>
+    <p:tnLst>
+      <p:par>
+        <p:cTn id="1" dur="indefinite" restart="never" nodeType="tmRoot"/>
+      </p:par>
+    </p:tnLst>
+  </p:timing>
 </p:sld>
 </file>
 
@@ -3807,7 +3865,7 @@
           <p:cNvPr id="2" name="Titre 1">
             <a:extLst>
               <a:ext uri="{FF2B5EF4-FFF2-40B4-BE49-F238E27FC236}">
-                <a16:creationId xmlns:a16="http://schemas.microsoft.com/office/drawing/2014/main" id="{FFD3B517-3E1D-4A07-BB2D-30A20BA54AE4}"/>
+                <a16:creationId xmlns:a16="http://schemas.microsoft.com/office/drawing/2014/main" xmlns="" id="{FFD3B517-3E1D-4A07-BB2D-30A20BA54AE4}"/>
               </a:ext>
             </a:extLst>
           </p:cNvPr>
@@ -3852,7 +3910,7 @@
           <p:cNvPr id="5" name="Espace réservé du contenu 4">
             <a:extLst>
               <a:ext uri="{FF2B5EF4-FFF2-40B4-BE49-F238E27FC236}">
-                <a16:creationId xmlns:a16="http://schemas.microsoft.com/office/drawing/2014/main" id="{150BEC7F-6CAB-4420-9535-10562DB7FFB5}"/>
+                <a16:creationId xmlns:a16="http://schemas.microsoft.com/office/drawing/2014/main" xmlns="" id="{150BEC7F-6CAB-4420-9535-10562DB7FFB5}"/>
               </a:ext>
             </a:extLst>
           </p:cNvPr>
@@ -3867,7 +3925,7 @@
           <a:blip r:embed="rId2">
             <a:extLst>
               <a:ext uri="{28A0092B-C50C-407E-A947-70E740481C1C}">
-                <a14:useLocalDpi xmlns:a14="http://schemas.microsoft.com/office/drawing/2010/main" val="0"/>
+                <a14:useLocalDpi xmlns:a14="http://schemas.microsoft.com/office/drawing/2010/main" xmlns="" val="0"/>
               </a:ext>
             </a:extLst>
           </a:blip>
@@ -3885,13 +3943,20 @@
     </p:spTree>
     <p:extLst>
       <p:ext uri="{BB962C8B-B14F-4D97-AF65-F5344CB8AC3E}">
-        <p14:creationId xmlns:p14="http://schemas.microsoft.com/office/powerpoint/2010/main" val="482572811"/>
+        <p14:creationId xmlns:p14="http://schemas.microsoft.com/office/powerpoint/2010/main" xmlns="" val="482572811"/>
       </p:ext>
     </p:extLst>
   </p:cSld>
   <p:clrMapOvr>
     <a:masterClrMapping/>
   </p:clrMapOvr>
+  <p:timing>
+    <p:tnLst>
+      <p:par>
+        <p:cTn id="1" dur="indefinite" restart="never" nodeType="tmRoot"/>
+      </p:par>
+    </p:tnLst>
+  </p:timing>
 </p:sld>
 </file>
 
@@ -3917,7 +3982,7 @@
           <p:cNvPr id="2" name="Titre 1">
             <a:extLst>
               <a:ext uri="{FF2B5EF4-FFF2-40B4-BE49-F238E27FC236}">
-                <a16:creationId xmlns:a16="http://schemas.microsoft.com/office/drawing/2014/main" id="{B8219F7B-301C-4ABE-95EE-D0C07F9F6EE3}"/>
+                <a16:creationId xmlns:a16="http://schemas.microsoft.com/office/drawing/2014/main" xmlns="" id="{B8219F7B-301C-4ABE-95EE-D0C07F9F6EE3}"/>
               </a:ext>
             </a:extLst>
           </p:cNvPr>
@@ -3960,7 +4025,7 @@
           <p:cNvPr id="5" name="Espace réservé du contenu 4">
             <a:extLst>
               <a:ext uri="{FF2B5EF4-FFF2-40B4-BE49-F238E27FC236}">
-                <a16:creationId xmlns:a16="http://schemas.microsoft.com/office/drawing/2014/main" id="{EC4A452E-4801-426B-ADC5-FC4BF21B8243}"/>
+                <a16:creationId xmlns:a16="http://schemas.microsoft.com/office/drawing/2014/main" xmlns="" id="{EC4A452E-4801-426B-ADC5-FC4BF21B8243}"/>
               </a:ext>
             </a:extLst>
           </p:cNvPr>
@@ -3975,7 +4040,7 @@
           <a:blip r:embed="rId2">
             <a:extLst>
               <a:ext uri="{28A0092B-C50C-407E-A947-70E740481C1C}">
-                <a14:useLocalDpi xmlns:a14="http://schemas.microsoft.com/office/drawing/2010/main" val="0"/>
+                <a14:useLocalDpi xmlns:a14="http://schemas.microsoft.com/office/drawing/2010/main" xmlns="" val="0"/>
               </a:ext>
             </a:extLst>
           </a:blip>
@@ -3993,13 +4058,20 @@
     </p:spTree>
     <p:extLst>
       <p:ext uri="{BB962C8B-B14F-4D97-AF65-F5344CB8AC3E}">
-        <p14:creationId xmlns:p14="http://schemas.microsoft.com/office/powerpoint/2010/main" val="3086814431"/>
+        <p14:creationId xmlns:p14="http://schemas.microsoft.com/office/powerpoint/2010/main" xmlns="" val="3086814431"/>
       </p:ext>
     </p:extLst>
   </p:cSld>
   <p:clrMapOvr>
     <a:masterClrMapping/>
   </p:clrMapOvr>
+  <p:timing>
+    <p:tnLst>
+      <p:par>
+        <p:cTn id="1" dur="indefinite" restart="never" nodeType="tmRoot"/>
+      </p:par>
+    </p:tnLst>
+  </p:timing>
 </p:sld>
 </file>
 
@@ -4025,7 +4097,7 @@
           <p:cNvPr id="2" name="Titre 1">
             <a:extLst>
               <a:ext uri="{FF2B5EF4-FFF2-40B4-BE49-F238E27FC236}">
-                <a16:creationId xmlns:a16="http://schemas.microsoft.com/office/drawing/2014/main" id="{66420A98-EA78-4730-A41F-217365E1A288}"/>
+                <a16:creationId xmlns:a16="http://schemas.microsoft.com/office/drawing/2014/main" xmlns="" id="{66420A98-EA78-4730-A41F-217365E1A288}"/>
               </a:ext>
             </a:extLst>
           </p:cNvPr>
@@ -4070,7 +4142,7 @@
           <p:cNvPr id="5" name="Espace réservé du contenu 4">
             <a:extLst>
               <a:ext uri="{FF2B5EF4-FFF2-40B4-BE49-F238E27FC236}">
-                <a16:creationId xmlns:a16="http://schemas.microsoft.com/office/drawing/2014/main" id="{0144A0E2-2B61-4FCB-82BA-6DFD1A0CA2D6}"/>
+                <a16:creationId xmlns:a16="http://schemas.microsoft.com/office/drawing/2014/main" xmlns="" id="{0144A0E2-2B61-4FCB-82BA-6DFD1A0CA2D6}"/>
               </a:ext>
             </a:extLst>
           </p:cNvPr>
@@ -4085,7 +4157,7 @@
           <a:blip r:embed="rId2">
             <a:extLst>
               <a:ext uri="{28A0092B-C50C-407E-A947-70E740481C1C}">
-                <a14:useLocalDpi xmlns:a14="http://schemas.microsoft.com/office/drawing/2010/main" val="0"/>
+                <a14:useLocalDpi xmlns:a14="http://schemas.microsoft.com/office/drawing/2010/main" xmlns="" val="0"/>
               </a:ext>
             </a:extLst>
           </a:blip>
@@ -4103,13 +4175,20 @@
     </p:spTree>
     <p:extLst>
       <p:ext uri="{BB962C8B-B14F-4D97-AF65-F5344CB8AC3E}">
-        <p14:creationId xmlns:p14="http://schemas.microsoft.com/office/powerpoint/2010/main" val="291770784"/>
+        <p14:creationId xmlns:p14="http://schemas.microsoft.com/office/powerpoint/2010/main" xmlns="" val="291770784"/>
       </p:ext>
     </p:extLst>
   </p:cSld>
   <p:clrMapOvr>
     <a:masterClrMapping/>
   </p:clrMapOvr>
+  <p:timing>
+    <p:tnLst>
+      <p:par>
+        <p:cTn id="1" dur="indefinite" restart="never" nodeType="tmRoot"/>
+      </p:par>
+    </p:tnLst>
+  </p:timing>
 </p:sld>
 </file>
 
@@ -4156,7 +4235,7 @@
     </a:clrScheme>
     <a:fontScheme name="Office">
       <a:majorFont>
-        <a:latin typeface="Calibri Light" panose="020F0302020204030204"/>
+        <a:latin typeface="Calibri Light"/>
         <a:ea typeface=""/>
         <a:cs typeface=""/>
         <a:font script="Jpan" typeface="游ゴシック Light"/>
@@ -4208,7 +4287,7 @@
         <a:font script="Tfng" typeface="Ebrima"/>
       </a:majorFont>
       <a:minorFont>
-        <a:latin typeface="Calibri" panose="020F0502020204030204"/>
+        <a:latin typeface="Calibri"/>
         <a:ea typeface=""/>
         <a:cs typeface=""/>
         <a:font script="Jpan" typeface="游ゴシック"/>
@@ -4402,7 +4481,7 @@
   <a:extraClrSchemeLst/>
   <a:extLst>
     <a:ext uri="{05A4C25C-085E-4340-85A3-A5531E510DB2}">
-      <thm15:themeFamily xmlns:thm15="http://schemas.microsoft.com/office/thememl/2012/main" name="Office Theme" id="{62F939B6-93AF-4DB8-9C6B-D6C7DFDC589F}" vid="{4A3C46E8-61CC-4603-A589-7422A47A8E4A}"/>
+      <thm15:themeFamily xmlns:thm15="http://schemas.microsoft.com/office/thememl/2012/main" xmlns="" name="Office Theme" id="{62F939B6-93AF-4DB8-9C6B-D6C7DFDC589F}" vid="{4A3C46E8-61CC-4603-A589-7422A47A8E4A}"/>
     </a:ext>
   </a:extLst>
 </a:theme>
